--- a/PharmacyManagement/src/document/PHARMACY.pptx
+++ b/PharmacyManagement/src/document/PHARMACY.pptx
@@ -259,7 +259,7 @@
           <a:p>
             <a:fld id="{8763F4FC-6031-4BE8-8FCC-FF9C711442D6}" type="datetimeFigureOut">
               <a:rPr lang="en-US" smtClean="0"/>
-              <a:t>4/17/2019</a:t>
+              <a:t>4/23/2019</a:t>
             </a:fld>
             <a:endParaRPr lang="en-US"/>
           </a:p>
@@ -429,7 +429,7 @@
           <a:p>
             <a:fld id="{8763F4FC-6031-4BE8-8FCC-FF9C711442D6}" type="datetimeFigureOut">
               <a:rPr lang="en-US" smtClean="0"/>
-              <a:t>4/17/2019</a:t>
+              <a:t>4/23/2019</a:t>
             </a:fld>
             <a:endParaRPr lang="en-US"/>
           </a:p>
@@ -609,7 +609,7 @@
           <a:p>
             <a:fld id="{8763F4FC-6031-4BE8-8FCC-FF9C711442D6}" type="datetimeFigureOut">
               <a:rPr lang="en-US" smtClean="0"/>
-              <a:t>4/17/2019</a:t>
+              <a:t>4/23/2019</a:t>
             </a:fld>
             <a:endParaRPr lang="en-US"/>
           </a:p>
@@ -779,7 +779,7 @@
           <a:p>
             <a:fld id="{8763F4FC-6031-4BE8-8FCC-FF9C711442D6}" type="datetimeFigureOut">
               <a:rPr lang="en-US" smtClean="0"/>
-              <a:t>4/17/2019</a:t>
+              <a:t>4/23/2019</a:t>
             </a:fld>
             <a:endParaRPr lang="en-US"/>
           </a:p>
@@ -1023,7 +1023,7 @@
           <a:p>
             <a:fld id="{8763F4FC-6031-4BE8-8FCC-FF9C711442D6}" type="datetimeFigureOut">
               <a:rPr lang="en-US" smtClean="0"/>
-              <a:t>4/17/2019</a:t>
+              <a:t>4/23/2019</a:t>
             </a:fld>
             <a:endParaRPr lang="en-US"/>
           </a:p>
@@ -1255,7 +1255,7 @@
           <a:p>
             <a:fld id="{8763F4FC-6031-4BE8-8FCC-FF9C711442D6}" type="datetimeFigureOut">
               <a:rPr lang="en-US" smtClean="0"/>
-              <a:t>4/17/2019</a:t>
+              <a:t>4/23/2019</a:t>
             </a:fld>
             <a:endParaRPr lang="en-US"/>
           </a:p>
@@ -1622,7 +1622,7 @@
           <a:p>
             <a:fld id="{8763F4FC-6031-4BE8-8FCC-FF9C711442D6}" type="datetimeFigureOut">
               <a:rPr lang="en-US" smtClean="0"/>
-              <a:t>4/17/2019</a:t>
+              <a:t>4/23/2019</a:t>
             </a:fld>
             <a:endParaRPr lang="en-US"/>
           </a:p>
@@ -1740,7 +1740,7 @@
           <a:p>
             <a:fld id="{8763F4FC-6031-4BE8-8FCC-FF9C711442D6}" type="datetimeFigureOut">
               <a:rPr lang="en-US" smtClean="0"/>
-              <a:t>4/17/2019</a:t>
+              <a:t>4/23/2019</a:t>
             </a:fld>
             <a:endParaRPr lang="en-US"/>
           </a:p>
@@ -1835,7 +1835,7 @@
           <a:p>
             <a:fld id="{8763F4FC-6031-4BE8-8FCC-FF9C711442D6}" type="datetimeFigureOut">
               <a:rPr lang="en-US" smtClean="0"/>
-              <a:t>4/17/2019</a:t>
+              <a:t>4/23/2019</a:t>
             </a:fld>
             <a:endParaRPr lang="en-US"/>
           </a:p>
@@ -2112,7 +2112,7 @@
           <a:p>
             <a:fld id="{8763F4FC-6031-4BE8-8FCC-FF9C711442D6}" type="datetimeFigureOut">
               <a:rPr lang="en-US" smtClean="0"/>
-              <a:t>4/17/2019</a:t>
+              <a:t>4/23/2019</a:t>
             </a:fld>
             <a:endParaRPr lang="en-US"/>
           </a:p>
@@ -2369,7 +2369,7 @@
           <a:p>
             <a:fld id="{8763F4FC-6031-4BE8-8FCC-FF9C711442D6}" type="datetimeFigureOut">
               <a:rPr lang="en-US" smtClean="0"/>
-              <a:t>4/17/2019</a:t>
+              <a:t>4/23/2019</a:t>
             </a:fld>
             <a:endParaRPr lang="en-US"/>
           </a:p>
@@ -2592,7 +2592,7 @@
           <a:p>
             <a:fld id="{8763F4FC-6031-4BE8-8FCC-FF9C711442D6}" type="datetimeFigureOut">
               <a:rPr lang="en-US" smtClean="0"/>
-              <a:t>4/17/2019</a:t>
+              <a:t>4/23/2019</a:t>
             </a:fld>
             <a:endParaRPr lang="en-US"/>
           </a:p>
@@ -4006,7 +4006,7 @@
         </p:nvSpPr>
         <p:spPr>
           <a:xfrm>
-            <a:off x="3476799" y="4551698"/>
+            <a:off x="3371062" y="4551698"/>
             <a:ext cx="3029032" cy="389138"/>
           </a:xfrm>
           <a:custGeom>
@@ -4132,7 +4132,7 @@
           <a:lstStyle/>
           <a:p>
             <a:pPr algn="ctr"/>
-            <a:endParaRPr lang="en-US"/>
+            <a:endParaRPr lang="en-US" dirty="0"/>
           </a:p>
         </p:txBody>
       </p:sp>
@@ -5977,13 +5977,13 @@
   <p:clrMapOvr>
     <a:masterClrMapping/>
   </p:clrMapOvr>
-  <mc:AlternateContent xmlns:mc="http://schemas.openxmlformats.org/markup-compatibility/2006">
-    <mc:Choice xmlns:p15="http://schemas.microsoft.com/office/powerpoint/2012/main" Requires="p15">
+  <mc:AlternateContent xmlns:mc="http://schemas.openxmlformats.org/markup-compatibility/2006" xmlns:p15="http://schemas.microsoft.com/office/powerpoint/2012/main">
+    <mc:Choice Requires="p15">
       <p:transition xmlns:p14="http://schemas.microsoft.com/office/powerpoint/2010/main" spd="slow" p14:dur="1250">
         <p15:prstTrans prst="pageCurlDouble"/>
       </p:transition>
     </mc:Choice>
-    <mc:Fallback>
+    <mc:Fallback xmlns="">
       <p:transition spd="slow">
         <p:fade/>
       </p:transition>
@@ -6772,13 +6772,13 @@
   <p:clrMapOvr>
     <a:masterClrMapping/>
   </p:clrMapOvr>
-  <mc:AlternateContent xmlns:mc="http://schemas.openxmlformats.org/markup-compatibility/2006">
-    <mc:Choice xmlns:p15="http://schemas.microsoft.com/office/powerpoint/2012/main" Requires="p15">
+  <mc:AlternateContent xmlns:mc="http://schemas.openxmlformats.org/markup-compatibility/2006" xmlns:p15="http://schemas.microsoft.com/office/powerpoint/2012/main">
+    <mc:Choice Requires="p15">
       <p:transition xmlns:p14="http://schemas.microsoft.com/office/powerpoint/2010/main" spd="slow" p14:dur="1250">
         <p15:prstTrans prst="pageCurlDouble"/>
       </p:transition>
     </mc:Choice>
-    <mc:Fallback>
+    <mc:Fallback xmlns="">
       <p:transition spd="slow">
         <p:fade/>
       </p:transition>
@@ -7567,13 +7567,13 @@
   <p:clrMapOvr>
     <a:masterClrMapping/>
   </p:clrMapOvr>
-  <mc:AlternateContent xmlns:mc="http://schemas.openxmlformats.org/markup-compatibility/2006">
-    <mc:Choice xmlns:p15="http://schemas.microsoft.com/office/powerpoint/2012/main" Requires="p15">
+  <mc:AlternateContent xmlns:mc="http://schemas.openxmlformats.org/markup-compatibility/2006" xmlns:p15="http://schemas.microsoft.com/office/powerpoint/2012/main">
+    <mc:Choice Requires="p15">
       <p:transition xmlns:p14="http://schemas.microsoft.com/office/powerpoint/2010/main" spd="slow" p14:dur="1250">
         <p15:prstTrans prst="pageCurlDouble"/>
       </p:transition>
     </mc:Choice>
-    <mc:Fallback>
+    <mc:Fallback xmlns="">
       <p:transition spd="slow">
         <p:fade/>
       </p:transition>
@@ -8362,13 +8362,13 @@
   <p:clrMapOvr>
     <a:masterClrMapping/>
   </p:clrMapOvr>
-  <mc:AlternateContent xmlns:mc="http://schemas.openxmlformats.org/markup-compatibility/2006">
-    <mc:Choice xmlns:p15="http://schemas.microsoft.com/office/powerpoint/2012/main" Requires="p15">
+  <mc:AlternateContent xmlns:mc="http://schemas.openxmlformats.org/markup-compatibility/2006" xmlns:p15="http://schemas.microsoft.com/office/powerpoint/2012/main">
+    <mc:Choice Requires="p15">
       <p:transition xmlns:p14="http://schemas.microsoft.com/office/powerpoint/2010/main" spd="slow" p14:dur="1250">
         <p15:prstTrans prst="pageCurlDouble"/>
       </p:transition>
     </mc:Choice>
-    <mc:Fallback>
+    <mc:Fallback xmlns="">
       <p:transition spd="slow">
         <p:fade/>
       </p:transition>
@@ -9042,19 +9042,8 @@
                 <a:latin typeface="Times New Roman" panose="02020603050405020304" pitchFamily="18" charset="0"/>
                 <a:cs typeface="Times New Roman" panose="02020603050405020304" pitchFamily="18" charset="0"/>
               </a:rPr>
-              <a:t>Applicatio</a:t>
+              <a:t>Application Permissions</a:t>
             </a:r>
-            <a:r>
-              <a:rPr lang="en-US" sz="2800" dirty="0" smtClean="0">
-                <a:latin typeface="Times New Roman" panose="02020603050405020304" pitchFamily="18" charset="0"/>
-                <a:cs typeface="Times New Roman" panose="02020603050405020304" pitchFamily="18" charset="0"/>
-              </a:rPr>
-              <a:t>n Permissions</a:t>
-            </a:r>
-            <a:endParaRPr lang="en-US" sz="2800" dirty="0" smtClean="0">
-              <a:latin typeface="Times New Roman" panose="02020603050405020304" pitchFamily="18" charset="0"/>
-              <a:cs typeface="Times New Roman" panose="02020603050405020304" pitchFamily="18" charset="0"/>
-            </a:endParaRPr>
           </a:p>
           <a:p>
             <a:pPr marL="342900" indent="-342900">
@@ -9801,10 +9790,6 @@
               </a:rPr>
               <a:t>Cloud Data</a:t>
             </a:r>
-            <a:endParaRPr lang="en-US" sz="2800" dirty="0" smtClean="0">
-              <a:latin typeface="Times New Roman" panose="02020603050405020304" pitchFamily="18" charset="0"/>
-              <a:cs typeface="Times New Roman" panose="02020603050405020304" pitchFamily="18" charset="0"/>
-            </a:endParaRPr>
           </a:p>
           <a:p>
             <a:pPr marL="342900" indent="-342900">
@@ -9866,7 +9851,14 @@
                 <a:latin typeface="Times New Roman" panose="02020603050405020304" pitchFamily="18" charset="0"/>
                 <a:cs typeface="Times New Roman" panose="02020603050405020304" pitchFamily="18" charset="0"/>
               </a:rPr>
-              <a:t>App Operability</a:t>
+              <a:t>App </a:t>
+            </a:r>
+            <a:r>
+              <a:rPr lang="en-US" sz="2800" dirty="0" smtClean="0">
+                <a:latin typeface="Times New Roman" panose="02020603050405020304" pitchFamily="18" charset="0"/>
+                <a:cs typeface="Times New Roman" panose="02020603050405020304" pitchFamily="18" charset="0"/>
+              </a:rPr>
+              <a:t>Operability</a:t>
             </a:r>
           </a:p>
           <a:p>
@@ -9881,6 +9873,10 @@
               </a:rPr>
               <a:t>ETC</a:t>
             </a:r>
+            <a:endParaRPr lang="en-US" sz="2800" dirty="0" smtClean="0">
+              <a:latin typeface="Times New Roman" panose="02020603050405020304" pitchFamily="18" charset="0"/>
+              <a:cs typeface="Times New Roman" panose="02020603050405020304" pitchFamily="18" charset="0"/>
+            </a:endParaRPr>
           </a:p>
         </p:txBody>
       </p:sp>
@@ -10495,19 +10491,8 @@
                 <a:latin typeface="Times New Roman" panose="02020603050405020304" pitchFamily="18" charset="0"/>
                 <a:cs typeface="Times New Roman" panose="02020603050405020304" pitchFamily="18" charset="0"/>
               </a:rPr>
-              <a:t>-  </a:t>
+              <a:t>-  Barcode Reader</a:t>
             </a:r>
-            <a:r>
-              <a:rPr lang="en-US" sz="3600" dirty="0" smtClean="0">
-                <a:latin typeface="Times New Roman" panose="02020603050405020304" pitchFamily="18" charset="0"/>
-                <a:cs typeface="Times New Roman" panose="02020603050405020304" pitchFamily="18" charset="0"/>
-              </a:rPr>
-              <a:t>Barcode Reader</a:t>
-            </a:r>
-            <a:endParaRPr lang="en-US" sz="3600" dirty="0" smtClean="0">
-              <a:latin typeface="Times New Roman" panose="02020603050405020304" pitchFamily="18" charset="0"/>
-              <a:cs typeface="Times New Roman" panose="02020603050405020304" pitchFamily="18" charset="0"/>
-            </a:endParaRPr>
           </a:p>
           <a:p>
             <a:pPr marL="342900" indent="-342900">
@@ -10521,10 +10506,6 @@
               </a:rPr>
               <a:t>Credit Card</a:t>
             </a:r>
-            <a:endParaRPr lang="en-US" sz="3600" dirty="0" smtClean="0">
-              <a:latin typeface="Times New Roman" panose="02020603050405020304" pitchFamily="18" charset="0"/>
-              <a:cs typeface="Times New Roman" panose="02020603050405020304" pitchFamily="18" charset="0"/>
-            </a:endParaRPr>
           </a:p>
           <a:p>
             <a:pPr marL="342900" indent="-342900">
@@ -10555,10 +10536,6 @@
               </a:rPr>
               <a:t>Market Research</a:t>
             </a:r>
-            <a:endParaRPr lang="en-US" sz="3600" dirty="0" smtClean="0">
-              <a:latin typeface="Times New Roman" panose="02020603050405020304" pitchFamily="18" charset="0"/>
-              <a:cs typeface="Times New Roman" panose="02020603050405020304" pitchFamily="18" charset="0"/>
-            </a:endParaRPr>
           </a:p>
           <a:p>
             <a:pPr marL="342900" indent="-342900">
@@ -10572,10 +10549,6 @@
               </a:rPr>
               <a:t>Pharmacy Customer Service That Sizzles</a:t>
             </a:r>
-            <a:endParaRPr lang="en-US" sz="3600" dirty="0" smtClean="0">
-              <a:latin typeface="Times New Roman" panose="02020603050405020304" pitchFamily="18" charset="0"/>
-              <a:cs typeface="Times New Roman" panose="02020603050405020304" pitchFamily="18" charset="0"/>
-            </a:endParaRPr>
           </a:p>
           <a:p>
             <a:pPr marL="342900" indent="-342900">
@@ -22057,14 +22030,7 @@
                 <a:latin typeface="Times New Roman" panose="02020603050405020304" pitchFamily="18" charset="0"/>
                 <a:cs typeface="Times New Roman" panose="02020603050405020304" pitchFamily="18" charset="0"/>
               </a:rPr>
-              <a:t>Drug inventory </a:t>
-            </a:r>
-            <a:r>
-              <a:rPr lang="en-US" sz="3600" dirty="0" smtClean="0">
-                <a:latin typeface="Times New Roman" panose="02020603050405020304" pitchFamily="18" charset="0"/>
-                <a:cs typeface="Times New Roman" panose="02020603050405020304" pitchFamily="18" charset="0"/>
-              </a:rPr>
-              <a:t>management, etc.</a:t>
+              <a:t>Drug inventory management, etc.</a:t>
             </a:r>
             <a:endParaRPr lang="en-US" sz="3600" dirty="0">
               <a:latin typeface="Times New Roman" panose="02020603050405020304" pitchFamily="18" charset="0"/>
@@ -23121,8 +23087,8 @@
         </p:nvSpPr>
         <p:spPr>
           <a:xfrm>
-            <a:off x="2715307" y="1444123"/>
-            <a:ext cx="418704" cy="646331"/>
+            <a:off x="2715307" y="1313229"/>
+            <a:ext cx="490632" cy="646331"/>
           </a:xfrm>
           <a:prstGeom prst="rect">
             <a:avLst/>
@@ -23130,7 +23096,7 @@
           <a:noFill/>
         </p:spPr>
         <p:txBody>
-          <a:bodyPr wrap="none" lIns="91440" tIns="45720" rIns="91440" bIns="45720">
+          <a:bodyPr wrap="square" lIns="91440" tIns="45720" rIns="91440" bIns="45720">
             <a:spAutoFit/>
           </a:bodyPr>
           <a:lstStyle/>
@@ -33273,13 +33239,13 @@
   <p:clrMapOvr>
     <a:masterClrMapping/>
   </p:clrMapOvr>
-  <mc:AlternateContent xmlns:mc="http://schemas.openxmlformats.org/markup-compatibility/2006">
-    <mc:Choice xmlns:p15="http://schemas.microsoft.com/office/powerpoint/2012/main" Requires="p15">
+  <mc:AlternateContent xmlns:mc="http://schemas.openxmlformats.org/markup-compatibility/2006" xmlns:p15="http://schemas.microsoft.com/office/powerpoint/2012/main">
+    <mc:Choice Requires="p15">
       <p:transition xmlns:p14="http://schemas.microsoft.com/office/powerpoint/2010/main" spd="slow" p14:dur="1250">
         <p15:prstTrans prst="pageCurlDouble"/>
       </p:transition>
     </mc:Choice>
-    <mc:Fallback>
+    <mc:Fallback xmlns="">
       <p:transition spd="slow">
         <p:fade/>
       </p:transition>
@@ -34068,13 +34034,13 @@
   <p:clrMapOvr>
     <a:masterClrMapping/>
   </p:clrMapOvr>
-  <mc:AlternateContent xmlns:mc="http://schemas.openxmlformats.org/markup-compatibility/2006">
-    <mc:Choice xmlns:p15="http://schemas.microsoft.com/office/powerpoint/2012/main" Requires="p15">
+  <mc:AlternateContent xmlns:mc="http://schemas.openxmlformats.org/markup-compatibility/2006" xmlns:p15="http://schemas.microsoft.com/office/powerpoint/2012/main">
+    <mc:Choice Requires="p15">
       <p:transition xmlns:p14="http://schemas.microsoft.com/office/powerpoint/2010/main" spd="slow" p14:dur="1250">
         <p15:prstTrans prst="pageCurlDouble"/>
       </p:transition>
     </mc:Choice>
-    <mc:Fallback>
+    <mc:Fallback xmlns="">
       <p:transition spd="slow">
         <p:fade/>
       </p:transition>
@@ -34863,13 +34829,13 @@
   <p:clrMapOvr>
     <a:masterClrMapping/>
   </p:clrMapOvr>
-  <mc:AlternateContent xmlns:mc="http://schemas.openxmlformats.org/markup-compatibility/2006">
-    <mc:Choice xmlns:p15="http://schemas.microsoft.com/office/powerpoint/2012/main" Requires="p15">
+  <mc:AlternateContent xmlns:mc="http://schemas.openxmlformats.org/markup-compatibility/2006" xmlns:p15="http://schemas.microsoft.com/office/powerpoint/2012/main">
+    <mc:Choice Requires="p15">
       <p:transition xmlns:p14="http://schemas.microsoft.com/office/powerpoint/2010/main" spd="slow" p14:dur="1250">
         <p15:prstTrans prst="pageCurlDouble"/>
       </p:transition>
     </mc:Choice>
-    <mc:Fallback>
+    <mc:Fallback xmlns="">
       <p:transition spd="slow">
         <p:fade/>
       </p:transition>
@@ -35658,13 +35624,13 @@
   <p:clrMapOvr>
     <a:masterClrMapping/>
   </p:clrMapOvr>
-  <mc:AlternateContent xmlns:mc="http://schemas.openxmlformats.org/markup-compatibility/2006">
-    <mc:Choice xmlns:p15="http://schemas.microsoft.com/office/powerpoint/2012/main" Requires="p15">
+  <mc:AlternateContent xmlns:mc="http://schemas.openxmlformats.org/markup-compatibility/2006" xmlns:p15="http://schemas.microsoft.com/office/powerpoint/2012/main">
+    <mc:Choice Requires="p15">
       <p:transition xmlns:p14="http://schemas.microsoft.com/office/powerpoint/2010/main" spd="slow" p14:dur="1250">
         <p15:prstTrans prst="pageCurlDouble"/>
       </p:transition>
     </mc:Choice>
-    <mc:Fallback>
+    <mc:Fallback xmlns="">
       <p:transition spd="slow">
         <p:fade/>
       </p:transition>
